--- a/assets/img/math/calculus/polar_coordinate_system/polar_coordinate_system.pptx
+++ b/assets/img/math/calculus/polar_coordinate_system/polar_coordinate_system.pptx
@@ -104,6 +104,11 @@
       </a:defRPr>
     </a:lvl9pPr>
   </p:defaultTextStyle>
+  <p:extLst>
+    <p:ext uri="{EFAFB233-063F-42B5-8137-9DF3F51BA10A}">
+      <p15:sldGuideLst xmlns:p15="http://schemas.microsoft.com/office/powerpoint/2012/main"/>
+    </p:ext>
+  </p:extLst>
 </p:presentation>
 </file>
 
@@ -3335,7 +3340,7 @@
         </p:nvGrpSpPr>
         <p:grpSpPr>
           <a:xfrm>
-            <a:off x="2394232" y="1037617"/>
+            <a:off x="1324189" y="914400"/>
             <a:ext cx="3311324" cy="2029281"/>
             <a:chOff x="2394232" y="1037617"/>
             <a:chExt cx="3311324" cy="2029281"/>
@@ -3487,8 +3492,8 @@
               </a:p>
             </p:txBody>
           </p:sp>
-          <mc:AlternateContent xmlns:mc="http://schemas.openxmlformats.org/markup-compatibility/2006">
-            <mc:Choice xmlns:a14="http://schemas.microsoft.com/office/drawing/2010/main" Requires="a14">
+          <mc:AlternateContent xmlns:mc="http://schemas.openxmlformats.org/markup-compatibility/2006" xmlns:a14="http://schemas.microsoft.com/office/drawing/2010/main">
+            <mc:Choice Requires="a14">
               <p:sp>
                 <p:nvSpPr>
                   <p:cNvPr id="9" name="TextBox 8">
@@ -3517,6 +3522,7 @@
                   </a:bodyPr>
                   <a:lstStyle/>
                   <a:p>
+                    <a:pPr/>
                     <a14:m>
                       <m:oMathPara xmlns:m="http://schemas.openxmlformats.org/officeDocument/2006/math">
                         <m:oMathParaPr>
@@ -3544,7 +3550,7 @@
                 </p:txBody>
               </p:sp>
             </mc:Choice>
-            <mc:Fallback>
+            <mc:Fallback xmlns="">
               <p:sp>
                 <p:nvSpPr>
                   <p:cNvPr id="9" name="TextBox 8">
@@ -3589,8 +3595,8 @@
               </p:sp>
             </mc:Fallback>
           </mc:AlternateContent>
-          <mc:AlternateContent xmlns:mc="http://schemas.openxmlformats.org/markup-compatibility/2006">
-            <mc:Choice xmlns:a14="http://schemas.microsoft.com/office/drawing/2010/main" Requires="a14">
+          <mc:AlternateContent xmlns:mc="http://schemas.openxmlformats.org/markup-compatibility/2006" xmlns:a14="http://schemas.microsoft.com/office/drawing/2010/main">
+            <mc:Choice Requires="a14">
               <p:sp>
                 <p:nvSpPr>
                   <p:cNvPr id="10" name="TextBox 9">
@@ -3619,6 +3625,7 @@
                   </a:bodyPr>
                   <a:lstStyle/>
                   <a:p>
+                    <a:pPr/>
                     <a14:m>
                       <m:oMathPara xmlns:m="http://schemas.openxmlformats.org/officeDocument/2006/math">
                         <m:oMathParaPr>
@@ -3673,7 +3680,7 @@
                 </p:txBody>
               </p:sp>
             </mc:Choice>
-            <mc:Fallback>
+            <mc:Fallback xmlns="">
               <p:sp>
                 <p:nvSpPr>
                   <p:cNvPr id="10" name="TextBox 9">
@@ -3718,8 +3725,8 @@
               </p:sp>
             </mc:Fallback>
           </mc:AlternateContent>
-          <mc:AlternateContent xmlns:mc="http://schemas.openxmlformats.org/markup-compatibility/2006">
-            <mc:Choice xmlns:a14="http://schemas.microsoft.com/office/drawing/2010/main" Requires="a14">
+          <mc:AlternateContent xmlns:mc="http://schemas.openxmlformats.org/markup-compatibility/2006" xmlns:a14="http://schemas.microsoft.com/office/drawing/2010/main">
+            <mc:Choice Requires="a14">
               <p:sp>
                 <p:nvSpPr>
                   <p:cNvPr id="11" name="TextBox 10">
@@ -3748,6 +3755,7 @@
                   </a:bodyPr>
                   <a:lstStyle/>
                   <a:p>
+                    <a:pPr/>
                     <a14:m>
                       <m:oMathPara xmlns:m="http://schemas.openxmlformats.org/officeDocument/2006/math">
                         <m:oMathParaPr>
@@ -3802,7 +3810,7 @@
                 </p:txBody>
               </p:sp>
             </mc:Choice>
-            <mc:Fallback>
+            <mc:Fallback xmlns="">
               <p:sp>
                 <p:nvSpPr>
                   <p:cNvPr id="11" name="TextBox 10">
@@ -3847,8 +3855,8 @@
               </p:sp>
             </mc:Fallback>
           </mc:AlternateContent>
-          <mc:AlternateContent xmlns:mc="http://schemas.openxmlformats.org/markup-compatibility/2006">
-            <mc:Choice xmlns:a14="http://schemas.microsoft.com/office/drawing/2010/main" Requires="a14">
+          <mc:AlternateContent xmlns:mc="http://schemas.openxmlformats.org/markup-compatibility/2006" xmlns:a14="http://schemas.microsoft.com/office/drawing/2010/main">
+            <mc:Choice Requires="a14">
               <p:sp>
                 <p:nvSpPr>
                   <p:cNvPr id="12" name="TextBox 11">
@@ -3877,6 +3885,7 @@
                   </a:bodyPr>
                   <a:lstStyle/>
                   <a:p>
+                    <a:pPr/>
                     <a14:m>
                       <m:oMathPara xmlns:m="http://schemas.openxmlformats.org/officeDocument/2006/math">
                         <m:oMathParaPr>
@@ -3921,7 +3930,7 @@
                 </p:txBody>
               </p:sp>
             </mc:Choice>
-            <mc:Fallback>
+            <mc:Fallback xmlns="">
               <p:sp>
                 <p:nvSpPr>
                   <p:cNvPr id="12" name="TextBox 11">
@@ -4020,8 +4029,8 @@
               </a:p>
             </p:txBody>
           </p:sp>
-          <mc:AlternateContent xmlns:mc="http://schemas.openxmlformats.org/markup-compatibility/2006">
-            <mc:Choice xmlns:a14="http://schemas.microsoft.com/office/drawing/2010/main" Requires="a14">
+          <mc:AlternateContent xmlns:mc="http://schemas.openxmlformats.org/markup-compatibility/2006" xmlns:a14="http://schemas.microsoft.com/office/drawing/2010/main">
+            <mc:Choice Requires="a14">
               <p:sp>
                 <p:nvSpPr>
                   <p:cNvPr id="14" name="TextBox 13">
@@ -4050,6 +4059,7 @@
                   </a:bodyPr>
                   <a:lstStyle/>
                   <a:p>
+                    <a:pPr/>
                     <a14:m>
                       <m:oMathPara xmlns:m="http://schemas.openxmlformats.org/officeDocument/2006/math">
                         <m:oMathParaPr>
@@ -4077,7 +4087,7 @@
                 </p:txBody>
               </p:sp>
             </mc:Choice>
-            <mc:Fallback>
+            <mc:Fallback xmlns="">
               <p:sp>
                 <p:nvSpPr>
                   <p:cNvPr id="14" name="TextBox 13">
@@ -4176,8 +4186,8 @@
             </p:txBody>
           </p:sp>
         </p:grpSp>
-        <mc:AlternateContent xmlns:mc="http://schemas.openxmlformats.org/markup-compatibility/2006">
-          <mc:Choice xmlns:a14="http://schemas.microsoft.com/office/drawing/2010/main" Requires="a14">
+        <mc:AlternateContent xmlns:mc="http://schemas.openxmlformats.org/markup-compatibility/2006" xmlns:a14="http://schemas.microsoft.com/office/drawing/2010/main">
+          <mc:Choice Requires="a14">
             <p:sp>
               <p:nvSpPr>
                 <p:cNvPr id="18" name="TextBox 17">
@@ -4206,6 +4216,7 @@
                 </a:bodyPr>
                 <a:lstStyle/>
                 <a:p>
+                  <a:pPr/>
                   <a14:m>
                     <m:oMathPara xmlns:m="http://schemas.openxmlformats.org/officeDocument/2006/math">
                       <m:oMathParaPr>
@@ -4350,7 +4361,7 @@
               </p:txBody>
             </p:sp>
           </mc:Choice>
-          <mc:Fallback>
+          <mc:Fallback xmlns="">
             <p:sp>
               <p:nvSpPr>
                 <p:cNvPr id="18" name="TextBox 17">
@@ -4395,6 +4406,1561 @@
             </p:sp>
           </mc:Fallback>
         </mc:AlternateContent>
+      </p:grpSp>
+      <p:grpSp>
+        <p:nvGrpSpPr>
+          <p:cNvPr id="20" name="그룹 19">
+            <a:extLst>
+              <a:ext uri="{FF2B5EF4-FFF2-40B4-BE49-F238E27FC236}">
+                <a16:creationId xmlns:a16="http://schemas.microsoft.com/office/drawing/2014/main" id="{48AAA41E-8503-A757-A996-C45A5092E7E0}"/>
+              </a:ext>
+            </a:extLst>
+          </p:cNvPr>
+          <p:cNvGrpSpPr/>
+          <p:nvPr/>
+        </p:nvGrpSpPr>
+        <p:grpSpPr>
+          <a:xfrm>
+            <a:off x="5690681" y="914400"/>
+            <a:ext cx="2931268" cy="2007140"/>
+            <a:chOff x="5690681" y="914400"/>
+            <a:chExt cx="2931268" cy="2007140"/>
+          </a:xfrm>
+        </p:grpSpPr>
+        <p:grpSp>
+          <p:nvGrpSpPr>
+            <p:cNvPr id="4" name="그룹 3">
+              <a:extLst>
+                <a:ext uri="{FF2B5EF4-FFF2-40B4-BE49-F238E27FC236}">
+                  <a16:creationId xmlns:a16="http://schemas.microsoft.com/office/drawing/2014/main" id="{36011FE5-1FE9-0DF4-8B5F-ACF0A5E9A7EE}"/>
+                </a:ext>
+              </a:extLst>
+            </p:cNvPr>
+            <p:cNvGrpSpPr/>
+            <p:nvPr/>
+          </p:nvGrpSpPr>
+          <p:grpSpPr>
+            <a:xfrm>
+              <a:off x="5690681" y="914400"/>
+              <a:ext cx="2931268" cy="2007140"/>
+              <a:chOff x="5690681" y="914400"/>
+              <a:chExt cx="2931268" cy="2007140"/>
+            </a:xfrm>
+          </p:grpSpPr>
+          <p:cxnSp>
+            <p:nvCxnSpPr>
+              <p:cNvPr id="2" name="직선 화살표 연결선 1">
+                <a:extLst>
+                  <a:ext uri="{FF2B5EF4-FFF2-40B4-BE49-F238E27FC236}">
+                    <a16:creationId xmlns:a16="http://schemas.microsoft.com/office/drawing/2014/main" id="{B5FB4CBB-5B29-867F-C244-2E7335BB39C5}"/>
+                  </a:ext>
+                </a:extLst>
+              </p:cNvPr>
+              <p:cNvCxnSpPr/>
+              <p:nvPr/>
+            </p:nvCxnSpPr>
+            <p:spPr>
+              <a:xfrm>
+                <a:off x="5690681" y="2574587"/>
+                <a:ext cx="2931268" cy="0"/>
+              </a:xfrm>
+              <a:prstGeom prst="straightConnector1">
+                <a:avLst/>
+              </a:prstGeom>
+              <a:ln>
+                <a:tailEnd type="triangle"/>
+              </a:ln>
+            </p:spPr>
+            <p:style>
+              <a:lnRef idx="2">
+                <a:schemeClr val="dk1"/>
+              </a:lnRef>
+              <a:fillRef idx="0">
+                <a:schemeClr val="dk1"/>
+              </a:fillRef>
+              <a:effectRef idx="1">
+                <a:schemeClr val="dk1"/>
+              </a:effectRef>
+              <a:fontRef idx="minor">
+                <a:schemeClr val="tx1"/>
+              </a:fontRef>
+            </p:style>
+          </p:cxnSp>
+          <p:cxnSp>
+            <p:nvCxnSpPr>
+              <p:cNvPr id="3" name="직선 화살표 연결선 2">
+                <a:extLst>
+                  <a:ext uri="{FF2B5EF4-FFF2-40B4-BE49-F238E27FC236}">
+                    <a16:creationId xmlns:a16="http://schemas.microsoft.com/office/drawing/2014/main" id="{E4601AE6-B36B-E060-B56A-4DD57EA8648F}"/>
+                  </a:ext>
+                </a:extLst>
+              </p:cNvPr>
+              <p:cNvCxnSpPr>
+                <a:cxnSpLocks/>
+              </p:cNvCxnSpPr>
+              <p:nvPr/>
+            </p:nvCxnSpPr>
+            <p:spPr>
+              <a:xfrm flipV="1">
+                <a:off x="5959813" y="914400"/>
+                <a:ext cx="0" cy="2007140"/>
+              </a:xfrm>
+              <a:prstGeom prst="straightConnector1">
+                <a:avLst/>
+              </a:prstGeom>
+              <a:ln>
+                <a:tailEnd type="triangle"/>
+              </a:ln>
+            </p:spPr>
+            <p:style>
+              <a:lnRef idx="2">
+                <a:schemeClr val="dk1"/>
+              </a:lnRef>
+              <a:fillRef idx="0">
+                <a:schemeClr val="dk1"/>
+              </a:fillRef>
+              <a:effectRef idx="1">
+                <a:schemeClr val="dk1"/>
+              </a:effectRef>
+              <a:fontRef idx="minor">
+                <a:schemeClr val="tx1"/>
+              </a:fontRef>
+            </p:style>
+          </p:cxnSp>
+        </p:grpSp>
+        <p:sp>
+          <p:nvSpPr>
+            <p:cNvPr id="7" name="직사각형 6">
+              <a:extLst>
+                <a:ext uri="{FF2B5EF4-FFF2-40B4-BE49-F238E27FC236}">
+                  <a16:creationId xmlns:a16="http://schemas.microsoft.com/office/drawing/2014/main" id="{441CE6D3-1F12-5DE7-50F0-B4F9B1D9B2D9}"/>
+                </a:ext>
+              </a:extLst>
+            </p:cNvPr>
+            <p:cNvSpPr/>
+            <p:nvPr/>
+          </p:nvSpPr>
+          <p:spPr>
+            <a:xfrm>
+              <a:off x="5972783" y="1859020"/>
+              <a:ext cx="1161659" cy="711290"/>
+            </a:xfrm>
+            <a:prstGeom prst="rect">
+              <a:avLst/>
+            </a:prstGeom>
+          </p:spPr>
+          <p:style>
+            <a:lnRef idx="1">
+              <a:schemeClr val="accent1"/>
+            </a:lnRef>
+            <a:fillRef idx="2">
+              <a:schemeClr val="accent1"/>
+            </a:fillRef>
+            <a:effectRef idx="1">
+              <a:schemeClr val="accent1"/>
+            </a:effectRef>
+            <a:fontRef idx="minor">
+              <a:schemeClr val="dk1"/>
+            </a:fontRef>
+          </p:style>
+          <p:txBody>
+            <a:bodyPr rtlCol="0" anchor="ctr"/>
+            <a:lstStyle/>
+            <a:p>
+              <a:pPr algn="ctr"/>
+              <a:endParaRPr lang="ko-KR" altLang="en-US"/>
+            </a:p>
+          </p:txBody>
+        </p:sp>
+        <mc:AlternateContent xmlns:mc="http://schemas.openxmlformats.org/markup-compatibility/2006">
+          <mc:Choice xmlns:a14="http://schemas.microsoft.com/office/drawing/2010/main" Requires="a14">
+            <p:sp>
+              <p:nvSpPr>
+                <p:cNvPr id="17" name="TextBox 16">
+                  <a:extLst>
+                    <a:ext uri="{FF2B5EF4-FFF2-40B4-BE49-F238E27FC236}">
+                      <a16:creationId xmlns:a16="http://schemas.microsoft.com/office/drawing/2014/main" id="{F9EB291B-A660-E67C-C6C0-63526641BAC9}"/>
+                    </a:ext>
+                  </a:extLst>
+                </p:cNvPr>
+                <p:cNvSpPr txBox="1"/>
+                <p:nvPr/>
+              </p:nvSpPr>
+              <p:spPr>
+                <a:xfrm>
+                  <a:off x="7122798" y="1669857"/>
+                  <a:ext cx="624915" cy="276999"/>
+                </a:xfrm>
+                <a:prstGeom prst="rect">
+                  <a:avLst/>
+                </a:prstGeom>
+                <a:noFill/>
+              </p:spPr>
+              <p:txBody>
+                <a:bodyPr wrap="none" lIns="0" tIns="0" rIns="0" bIns="0" rtlCol="0">
+                  <a:spAutoFit/>
+                </a:bodyPr>
+                <a:lstStyle/>
+                <a:p>
+                  <a:pPr/>
+                  <a14:m>
+                    <m:oMathPara xmlns:m="http://schemas.openxmlformats.org/officeDocument/2006/math">
+                      <m:oMathParaPr>
+                        <m:jc m:val="centerGroup"/>
+                      </m:oMathParaPr>
+                      <m:oMath xmlns:m="http://schemas.openxmlformats.org/officeDocument/2006/math">
+                        <m:r>
+                          <a:rPr lang="en-US" altLang="ko-KR" b="0" i="1" smtClean="0">
+                            <a:latin typeface="Cambria Math" panose="02040503050406030204" pitchFamily="18" charset="0"/>
+                          </a:rPr>
+                          <m:t>(</m:t>
+                        </m:r>
+                        <m:r>
+                          <a:rPr lang="en-US" altLang="ko-KR" b="0" i="1" smtClean="0">
+                            <a:latin typeface="Cambria Math" panose="02040503050406030204" pitchFamily="18" charset="0"/>
+                          </a:rPr>
+                          <m:t>𝑥</m:t>
+                        </m:r>
+                        <m:r>
+                          <a:rPr lang="en-US" altLang="ko-KR" b="0" i="1" smtClean="0">
+                            <a:latin typeface="Cambria Math" panose="02040503050406030204" pitchFamily="18" charset="0"/>
+                          </a:rPr>
+                          <m:t>,</m:t>
+                        </m:r>
+                        <m:r>
+                          <a:rPr lang="en-US" altLang="ko-KR" b="0" i="1" smtClean="0">
+                            <a:latin typeface="Cambria Math" panose="02040503050406030204" pitchFamily="18" charset="0"/>
+                          </a:rPr>
+                          <m:t>𝑦</m:t>
+                        </m:r>
+                        <m:r>
+                          <a:rPr lang="en-US" altLang="ko-KR" b="0" i="1" smtClean="0">
+                            <a:latin typeface="Cambria Math" panose="02040503050406030204" pitchFamily="18" charset="0"/>
+                          </a:rPr>
+                          <m:t>)</m:t>
+                        </m:r>
+                      </m:oMath>
+                    </m:oMathPara>
+                  </a14:m>
+                  <a:endParaRPr lang="ko-KR" altLang="en-US"/>
+                </a:p>
+              </p:txBody>
+            </p:sp>
+          </mc:Choice>
+          <mc:Fallback>
+            <p:sp>
+              <p:nvSpPr>
+                <p:cNvPr id="17" name="TextBox 16">
+                  <a:extLst>
+                    <a:ext uri="{FF2B5EF4-FFF2-40B4-BE49-F238E27FC236}">
+                      <a16:creationId xmlns:a16="http://schemas.microsoft.com/office/drawing/2014/main" id="{F9EB291B-A660-E67C-C6C0-63526641BAC9}"/>
+                    </a:ext>
+                  </a:extLst>
+                </p:cNvPr>
+                <p:cNvSpPr txBox="1">
+                  <a:spLocks noRot="1" noChangeAspect="1" noMove="1" noResize="1" noEditPoints="1" noAdjustHandles="1" noChangeArrowheads="1" noChangeShapeType="1" noTextEdit="1"/>
+                </p:cNvSpPr>
+                <p:nvPr/>
+              </p:nvSpPr>
+              <p:spPr>
+                <a:xfrm>
+                  <a:off x="7122798" y="1669857"/>
+                  <a:ext cx="624915" cy="276999"/>
+                </a:xfrm>
+                <a:prstGeom prst="rect">
+                  <a:avLst/>
+                </a:prstGeom>
+                <a:blipFill>
+                  <a:blip r:embed="rId8"/>
+                  <a:stretch>
+                    <a:fillRect l="-10680" r="-10680" b="-40000"/>
+                  </a:stretch>
+                </a:blipFill>
+              </p:spPr>
+              <p:txBody>
+                <a:bodyPr/>
+                <a:lstStyle/>
+                <a:p>
+                  <a:r>
+                    <a:rPr lang="ko-KR" altLang="en-US">
+                      <a:noFill/>
+                    </a:rPr>
+                    <a:t> </a:t>
+                  </a:r>
+                </a:p>
+              </p:txBody>
+            </p:sp>
+          </mc:Fallback>
+        </mc:AlternateContent>
+      </p:grpSp>
+      <p:grpSp>
+        <p:nvGrpSpPr>
+          <p:cNvPr id="59" name="그룹 58">
+            <a:extLst>
+              <a:ext uri="{FF2B5EF4-FFF2-40B4-BE49-F238E27FC236}">
+                <a16:creationId xmlns:a16="http://schemas.microsoft.com/office/drawing/2014/main" id="{54CC41CC-4D41-729A-5514-F76965CB84E6}"/>
+              </a:ext>
+            </a:extLst>
+          </p:cNvPr>
+          <p:cNvGrpSpPr/>
+          <p:nvPr/>
+        </p:nvGrpSpPr>
+        <p:grpSpPr>
+          <a:xfrm>
+            <a:off x="787911" y="3417652"/>
+            <a:ext cx="3570080" cy="2565558"/>
+            <a:chOff x="787911" y="3417652"/>
+            <a:chExt cx="3570080" cy="2565558"/>
+          </a:xfrm>
+        </p:grpSpPr>
+        <p:sp>
+          <p:nvSpPr>
+            <p:cNvPr id="27" name="부분 원형 26">
+              <a:extLst>
+                <a:ext uri="{FF2B5EF4-FFF2-40B4-BE49-F238E27FC236}">
+                  <a16:creationId xmlns:a16="http://schemas.microsoft.com/office/drawing/2014/main" id="{5317B058-5CE9-782C-A757-2EF49205C93F}"/>
+                </a:ext>
+              </a:extLst>
+            </p:cNvPr>
+            <p:cNvSpPr/>
+            <p:nvPr/>
+          </p:nvSpPr>
+          <p:spPr>
+            <a:xfrm rot="16200000">
+              <a:off x="787911" y="4172468"/>
+              <a:ext cx="1810742" cy="1810742"/>
+            </a:xfrm>
+            <a:prstGeom prst="pie">
+              <a:avLst>
+                <a:gd name="adj1" fmla="val 0"/>
+                <a:gd name="adj2" fmla="val 5399668"/>
+              </a:avLst>
+            </a:prstGeom>
+          </p:spPr>
+          <p:style>
+            <a:lnRef idx="1">
+              <a:schemeClr val="accent1"/>
+            </a:lnRef>
+            <a:fillRef idx="2">
+              <a:schemeClr val="accent1"/>
+            </a:fillRef>
+            <a:effectRef idx="1">
+              <a:schemeClr val="accent1"/>
+            </a:effectRef>
+            <a:fontRef idx="minor">
+              <a:schemeClr val="dk1"/>
+            </a:fontRef>
+          </p:style>
+          <p:txBody>
+            <a:bodyPr rtlCol="0" anchor="ctr"/>
+            <a:lstStyle/>
+            <a:p>
+              <a:pPr algn="ctr"/>
+              <a:endParaRPr lang="ko-KR" altLang="en-US">
+                <a:solidFill>
+                  <a:schemeClr val="tx1"/>
+                </a:solidFill>
+              </a:endParaRPr>
+            </a:p>
+          </p:txBody>
+        </p:sp>
+        <p:grpSp>
+          <p:nvGrpSpPr>
+            <p:cNvPr id="47" name="그룹 46">
+              <a:extLst>
+                <a:ext uri="{FF2B5EF4-FFF2-40B4-BE49-F238E27FC236}">
+                  <a16:creationId xmlns:a16="http://schemas.microsoft.com/office/drawing/2014/main" id="{23CFBB51-2C9E-793C-8D96-317636F39F70}"/>
+                </a:ext>
+              </a:extLst>
+            </p:cNvPr>
+            <p:cNvGrpSpPr/>
+            <p:nvPr/>
+          </p:nvGrpSpPr>
+          <p:grpSpPr>
+            <a:xfrm>
+              <a:off x="1345615" y="3417652"/>
+              <a:ext cx="3012376" cy="2014994"/>
+              <a:chOff x="1345615" y="3417652"/>
+              <a:chExt cx="3012376" cy="2014994"/>
+            </a:xfrm>
+          </p:grpSpPr>
+          <p:grpSp>
+            <p:nvGrpSpPr>
+              <p:cNvPr id="22" name="그룹 21">
+                <a:extLst>
+                  <a:ext uri="{FF2B5EF4-FFF2-40B4-BE49-F238E27FC236}">
+                    <a16:creationId xmlns:a16="http://schemas.microsoft.com/office/drawing/2014/main" id="{86B4D388-1DF8-3E14-BAF1-0AC92568AF15}"/>
+                  </a:ext>
+                </a:extLst>
+              </p:cNvPr>
+              <p:cNvGrpSpPr/>
+              <p:nvPr/>
+            </p:nvGrpSpPr>
+            <p:grpSpPr>
+              <a:xfrm>
+                <a:off x="1426723" y="3417652"/>
+                <a:ext cx="2931268" cy="2007140"/>
+                <a:chOff x="5690681" y="914400"/>
+                <a:chExt cx="2931268" cy="2007140"/>
+              </a:xfrm>
+            </p:grpSpPr>
+            <p:cxnSp>
+              <p:nvCxnSpPr>
+                <p:cNvPr id="25" name="직선 화살표 연결선 24">
+                  <a:extLst>
+                    <a:ext uri="{FF2B5EF4-FFF2-40B4-BE49-F238E27FC236}">
+                      <a16:creationId xmlns:a16="http://schemas.microsoft.com/office/drawing/2014/main" id="{3B46DB75-759F-F638-DA62-F497B11C8CAA}"/>
+                    </a:ext>
+                  </a:extLst>
+                </p:cNvPr>
+                <p:cNvCxnSpPr/>
+                <p:nvPr/>
+              </p:nvCxnSpPr>
+              <p:spPr>
+                <a:xfrm>
+                  <a:off x="5690681" y="2574587"/>
+                  <a:ext cx="2931268" cy="0"/>
+                </a:xfrm>
+                <a:prstGeom prst="straightConnector1">
+                  <a:avLst/>
+                </a:prstGeom>
+                <a:ln>
+                  <a:tailEnd type="triangle"/>
+                </a:ln>
+              </p:spPr>
+              <p:style>
+                <a:lnRef idx="2">
+                  <a:schemeClr val="dk1"/>
+                </a:lnRef>
+                <a:fillRef idx="0">
+                  <a:schemeClr val="dk1"/>
+                </a:fillRef>
+                <a:effectRef idx="1">
+                  <a:schemeClr val="dk1"/>
+                </a:effectRef>
+                <a:fontRef idx="minor">
+                  <a:schemeClr val="tx1"/>
+                </a:fontRef>
+              </p:style>
+            </p:cxnSp>
+            <p:cxnSp>
+              <p:nvCxnSpPr>
+                <p:cNvPr id="26" name="직선 화살표 연결선 25">
+                  <a:extLst>
+                    <a:ext uri="{FF2B5EF4-FFF2-40B4-BE49-F238E27FC236}">
+                      <a16:creationId xmlns:a16="http://schemas.microsoft.com/office/drawing/2014/main" id="{C6023B68-23CB-BA0C-0E40-7B93256B24E9}"/>
+                    </a:ext>
+                  </a:extLst>
+                </p:cNvPr>
+                <p:cNvCxnSpPr>
+                  <a:cxnSpLocks/>
+                </p:cNvCxnSpPr>
+                <p:nvPr/>
+              </p:nvCxnSpPr>
+              <p:spPr>
+                <a:xfrm flipV="1">
+                  <a:off x="5959813" y="914400"/>
+                  <a:ext cx="0" cy="2007140"/>
+                </a:xfrm>
+                <a:prstGeom prst="straightConnector1">
+                  <a:avLst/>
+                </a:prstGeom>
+                <a:ln>
+                  <a:tailEnd type="triangle"/>
+                </a:ln>
+              </p:spPr>
+              <p:style>
+                <a:lnRef idx="2">
+                  <a:schemeClr val="dk1"/>
+                </a:lnRef>
+                <a:fillRef idx="0">
+                  <a:schemeClr val="dk1"/>
+                </a:fillRef>
+                <a:effectRef idx="1">
+                  <a:schemeClr val="dk1"/>
+                </a:effectRef>
+                <a:fontRef idx="minor">
+                  <a:schemeClr val="tx1"/>
+                </a:fontRef>
+              </p:style>
+            </p:cxnSp>
+          </p:grpSp>
+          <p:sp>
+            <p:nvSpPr>
+              <p:cNvPr id="32" name="부분 원형 31">
+                <a:extLst>
+                  <a:ext uri="{FF2B5EF4-FFF2-40B4-BE49-F238E27FC236}">
+                    <a16:creationId xmlns:a16="http://schemas.microsoft.com/office/drawing/2014/main" id="{BB989DCE-37D6-A2F7-5296-A74A1ED731FB}"/>
+                  </a:ext>
+                </a:extLst>
+              </p:cNvPr>
+              <p:cNvSpPr/>
+              <p:nvPr/>
+            </p:nvSpPr>
+            <p:spPr>
+              <a:xfrm rot="19800000">
+                <a:off x="1345615" y="4694460"/>
+                <a:ext cx="738186" cy="738186"/>
+              </a:xfrm>
+              <a:prstGeom prst="pie">
+                <a:avLst>
+                  <a:gd name="adj1" fmla="val 766634"/>
+                  <a:gd name="adj2" fmla="val 1860659"/>
+                </a:avLst>
+              </a:prstGeom>
+              <a:noFill/>
+              <a:ln w="6350">
+                <a:solidFill>
+                  <a:srgbClr val="0000FF"/>
+                </a:solidFill>
+              </a:ln>
+            </p:spPr>
+            <p:style>
+              <a:lnRef idx="2">
+                <a:schemeClr val="accent1"/>
+              </a:lnRef>
+              <a:fillRef idx="1">
+                <a:schemeClr val="lt1"/>
+              </a:fillRef>
+              <a:effectRef idx="0">
+                <a:schemeClr val="accent1"/>
+              </a:effectRef>
+              <a:fontRef idx="minor">
+                <a:schemeClr val="dk1"/>
+              </a:fontRef>
+            </p:style>
+            <p:txBody>
+              <a:bodyPr rtlCol="0" anchor="ctr"/>
+              <a:lstStyle/>
+              <a:p>
+                <a:pPr algn="ctr"/>
+                <a:endParaRPr lang="ko-KR" altLang="en-US">
+                  <a:solidFill>
+                    <a:schemeClr val="tx1"/>
+                  </a:solidFill>
+                </a:endParaRPr>
+              </a:p>
+            </p:txBody>
+          </p:sp>
+          <p:cxnSp>
+            <p:nvCxnSpPr>
+              <p:cNvPr id="29" name="직선 화살표 연결선 28">
+                <a:extLst>
+                  <a:ext uri="{FF2B5EF4-FFF2-40B4-BE49-F238E27FC236}">
+                    <a16:creationId xmlns:a16="http://schemas.microsoft.com/office/drawing/2014/main" id="{24ADAD41-214E-F4F1-FDD1-AB7E74AB8ACE}"/>
+                  </a:ext>
+                </a:extLst>
+              </p:cNvPr>
+              <p:cNvCxnSpPr>
+                <a:cxnSpLocks/>
+              </p:cNvCxnSpPr>
+              <p:nvPr/>
+            </p:nvCxnSpPr>
+            <p:spPr>
+              <a:xfrm flipV="1">
+                <a:off x="1685846" y="4795284"/>
+                <a:ext cx="871617" cy="282554"/>
+              </a:xfrm>
+              <a:prstGeom prst="straightConnector1">
+                <a:avLst/>
+              </a:prstGeom>
+              <a:ln w="9525">
+                <a:tailEnd type="none"/>
+              </a:ln>
+            </p:spPr>
+            <p:style>
+              <a:lnRef idx="2">
+                <a:schemeClr val="dk1"/>
+              </a:lnRef>
+              <a:fillRef idx="0">
+                <a:schemeClr val="dk1"/>
+              </a:fillRef>
+              <a:effectRef idx="1">
+                <a:schemeClr val="dk1"/>
+              </a:effectRef>
+              <a:fontRef idx="minor">
+                <a:schemeClr val="tx1"/>
+              </a:fontRef>
+            </p:style>
+          </p:cxnSp>
+          <mc:AlternateContent xmlns:mc="http://schemas.openxmlformats.org/markup-compatibility/2006">
+            <mc:Choice xmlns:a14="http://schemas.microsoft.com/office/drawing/2010/main" Requires="a14">
+              <p:sp>
+                <p:nvSpPr>
+                  <p:cNvPr id="35" name="TextBox 34">
+                    <a:extLst>
+                      <a:ext uri="{FF2B5EF4-FFF2-40B4-BE49-F238E27FC236}">
+                        <a16:creationId xmlns:a16="http://schemas.microsoft.com/office/drawing/2014/main" id="{B75551F8-C5C3-E6EA-4B4A-415FD0254F6B}"/>
+                      </a:ext>
+                    </a:extLst>
+                  </p:cNvPr>
+                  <p:cNvSpPr txBox="1"/>
+                  <p:nvPr/>
+                </p:nvSpPr>
+                <p:spPr>
+                  <a:xfrm>
+                    <a:off x="2100203" y="4923951"/>
+                    <a:ext cx="194540" cy="153888"/>
+                  </a:xfrm>
+                  <a:prstGeom prst="rect">
+                    <a:avLst/>
+                  </a:prstGeom>
+                  <a:noFill/>
+                </p:spPr>
+                <p:txBody>
+                  <a:bodyPr wrap="none" lIns="0" tIns="0" rIns="0" bIns="0" rtlCol="0">
+                    <a:spAutoFit/>
+                  </a:bodyPr>
+                  <a:lstStyle/>
+                  <a:p>
+                    <a:pPr/>
+                    <a14:m>
+                      <m:oMathPara xmlns:m="http://schemas.openxmlformats.org/officeDocument/2006/math">
+                        <m:oMathParaPr>
+                          <m:jc m:val="centerGroup"/>
+                        </m:oMathParaPr>
+                        <m:oMath xmlns:m="http://schemas.openxmlformats.org/officeDocument/2006/math">
+                          <m:r>
+                            <a:rPr lang="en-US" altLang="ko-KR" sz="1000" b="0" i="1" smtClean="0">
+                              <a:solidFill>
+                                <a:srgbClr val="0000FF"/>
+                              </a:solidFill>
+                              <a:latin typeface="Cambria Math" panose="02040503050406030204" pitchFamily="18" charset="0"/>
+                            </a:rPr>
+                            <m:t>𝑑</m:t>
+                          </m:r>
+                          <m:r>
+                            <a:rPr lang="en-US" altLang="ko-KR" sz="1000" b="0" i="1" smtClean="0">
+                              <a:solidFill>
+                                <a:srgbClr val="0000FF"/>
+                              </a:solidFill>
+                              <a:latin typeface="Cambria Math" panose="02040503050406030204" pitchFamily="18" charset="0"/>
+                            </a:rPr>
+                            <m:t>𝜃</m:t>
+                          </m:r>
+                        </m:oMath>
+                      </m:oMathPara>
+                    </a14:m>
+                    <a:endParaRPr lang="ko-KR" altLang="en-US" sz="1000">
+                      <a:solidFill>
+                        <a:srgbClr val="0000FF"/>
+                      </a:solidFill>
+                    </a:endParaRPr>
+                  </a:p>
+                </p:txBody>
+              </p:sp>
+            </mc:Choice>
+            <mc:Fallback>
+              <p:sp>
+                <p:nvSpPr>
+                  <p:cNvPr id="35" name="TextBox 34">
+                    <a:extLst>
+                      <a:ext uri="{FF2B5EF4-FFF2-40B4-BE49-F238E27FC236}">
+                        <a16:creationId xmlns:a16="http://schemas.microsoft.com/office/drawing/2014/main" id="{B75551F8-C5C3-E6EA-4B4A-415FD0254F6B}"/>
+                      </a:ext>
+                    </a:extLst>
+                  </p:cNvPr>
+                  <p:cNvSpPr txBox="1">
+                    <a:spLocks noRot="1" noChangeAspect="1" noMove="1" noResize="1" noEditPoints="1" noAdjustHandles="1" noChangeArrowheads="1" noChangeShapeType="1" noTextEdit="1"/>
+                  </p:cNvSpPr>
+                  <p:nvPr/>
+                </p:nvSpPr>
+                <p:spPr>
+                  <a:xfrm>
+                    <a:off x="2100203" y="4923951"/>
+                    <a:ext cx="194540" cy="153888"/>
+                  </a:xfrm>
+                  <a:prstGeom prst="rect">
+                    <a:avLst/>
+                  </a:prstGeom>
+                  <a:blipFill>
+                    <a:blip r:embed="rId9"/>
+                    <a:stretch>
+                      <a:fillRect l="-12903" r="-12903" b="-12000"/>
+                    </a:stretch>
+                  </a:blipFill>
+                </p:spPr>
+                <p:txBody>
+                  <a:bodyPr/>
+                  <a:lstStyle/>
+                  <a:p>
+                    <a:r>
+                      <a:rPr lang="ko-KR" altLang="en-US">
+                        <a:noFill/>
+                      </a:rPr>
+                      <a:t> </a:t>
+                    </a:r>
+                  </a:p>
+                </p:txBody>
+              </p:sp>
+            </mc:Fallback>
+          </mc:AlternateContent>
+          <p:cxnSp>
+            <p:nvCxnSpPr>
+              <p:cNvPr id="38" name="직선 화살표 연결선 37">
+                <a:extLst>
+                  <a:ext uri="{FF2B5EF4-FFF2-40B4-BE49-F238E27FC236}">
+                    <a16:creationId xmlns:a16="http://schemas.microsoft.com/office/drawing/2014/main" id="{C37C7761-BB45-2339-165C-012250E7F025}"/>
+                  </a:ext>
+                </a:extLst>
+              </p:cNvPr>
+              <p:cNvCxnSpPr>
+                <a:cxnSpLocks/>
+              </p:cNvCxnSpPr>
+              <p:nvPr/>
+            </p:nvCxnSpPr>
+            <p:spPr>
+              <a:xfrm flipV="1">
+                <a:off x="1693281" y="4923950"/>
+                <a:ext cx="462347" cy="148475"/>
+              </a:xfrm>
+              <a:prstGeom prst="straightConnector1">
+                <a:avLst/>
+              </a:prstGeom>
+              <a:ln w="12700">
+                <a:solidFill>
+                  <a:srgbClr val="FFC000"/>
+                </a:solidFill>
+                <a:tailEnd type="triangle"/>
+              </a:ln>
+            </p:spPr>
+            <p:style>
+              <a:lnRef idx="2">
+                <a:schemeClr val="dk1"/>
+              </a:lnRef>
+              <a:fillRef idx="0">
+                <a:schemeClr val="dk1"/>
+              </a:fillRef>
+              <a:effectRef idx="1">
+                <a:schemeClr val="dk1"/>
+              </a:effectRef>
+              <a:fontRef idx="minor">
+                <a:schemeClr val="tx1"/>
+              </a:fontRef>
+            </p:style>
+          </p:cxnSp>
+          <mc:AlternateContent xmlns:mc="http://schemas.openxmlformats.org/markup-compatibility/2006">
+            <mc:Choice xmlns:a14="http://schemas.microsoft.com/office/drawing/2010/main" Requires="a14">
+              <p:sp>
+                <p:nvSpPr>
+                  <p:cNvPr id="40" name="TextBox 39">
+                    <a:extLst>
+                      <a:ext uri="{FF2B5EF4-FFF2-40B4-BE49-F238E27FC236}">
+                        <a16:creationId xmlns:a16="http://schemas.microsoft.com/office/drawing/2014/main" id="{8FFEC98F-BED5-99EE-A020-0666014488D7}"/>
+                      </a:ext>
+                    </a:extLst>
+                  </p:cNvPr>
+                  <p:cNvSpPr txBox="1"/>
+                  <p:nvPr/>
+                </p:nvSpPr>
+                <p:spPr>
+                  <a:xfrm>
+                    <a:off x="1788463" y="4822966"/>
+                    <a:ext cx="182358" cy="153888"/>
+                  </a:xfrm>
+                  <a:prstGeom prst="rect">
+                    <a:avLst/>
+                  </a:prstGeom>
+                  <a:noFill/>
+                </p:spPr>
+                <p:txBody>
+                  <a:bodyPr wrap="none" lIns="0" tIns="0" rIns="0" bIns="0" rtlCol="0">
+                    <a:spAutoFit/>
+                  </a:bodyPr>
+                  <a:lstStyle/>
+                  <a:p>
+                    <a:pPr/>
+                    <a14:m>
+                      <m:oMathPara xmlns:m="http://schemas.openxmlformats.org/officeDocument/2006/math">
+                        <m:oMathParaPr>
+                          <m:jc m:val="centerGroup"/>
+                        </m:oMathParaPr>
+                        <m:oMath xmlns:m="http://schemas.openxmlformats.org/officeDocument/2006/math">
+                          <m:r>
+                            <a:rPr lang="en-US" altLang="ko-KR" sz="1000" b="0" i="1" smtClean="0">
+                              <a:solidFill>
+                                <a:srgbClr val="FFC000"/>
+                              </a:solidFill>
+                              <a:latin typeface="Cambria Math" panose="02040503050406030204" pitchFamily="18" charset="0"/>
+                            </a:rPr>
+                            <m:t>𝑑𝑟</m:t>
+                          </m:r>
+                        </m:oMath>
+                      </m:oMathPara>
+                    </a14:m>
+                    <a:endParaRPr lang="ko-KR" altLang="en-US" sz="1000">
+                      <a:solidFill>
+                        <a:srgbClr val="FFC000"/>
+                      </a:solidFill>
+                    </a:endParaRPr>
+                  </a:p>
+                </p:txBody>
+              </p:sp>
+            </mc:Choice>
+            <mc:Fallback>
+              <p:sp>
+                <p:nvSpPr>
+                  <p:cNvPr id="40" name="TextBox 39">
+                    <a:extLst>
+                      <a:ext uri="{FF2B5EF4-FFF2-40B4-BE49-F238E27FC236}">
+                        <a16:creationId xmlns:a16="http://schemas.microsoft.com/office/drawing/2014/main" id="{8FFEC98F-BED5-99EE-A020-0666014488D7}"/>
+                      </a:ext>
+                    </a:extLst>
+                  </p:cNvPr>
+                  <p:cNvSpPr txBox="1">
+                    <a:spLocks noRot="1" noChangeAspect="1" noMove="1" noResize="1" noEditPoints="1" noAdjustHandles="1" noChangeArrowheads="1" noChangeShapeType="1" noTextEdit="1"/>
+                  </p:cNvSpPr>
+                  <p:nvPr/>
+                </p:nvSpPr>
+                <p:spPr>
+                  <a:xfrm>
+                    <a:off x="1788463" y="4822966"/>
+                    <a:ext cx="182358" cy="153888"/>
+                  </a:xfrm>
+                  <a:prstGeom prst="rect">
+                    <a:avLst/>
+                  </a:prstGeom>
+                  <a:blipFill>
+                    <a:blip r:embed="rId10"/>
+                    <a:stretch>
+                      <a:fillRect l="-13333" r="-13333" b="-12000"/>
+                    </a:stretch>
+                  </a:blipFill>
+                </p:spPr>
+                <p:txBody>
+                  <a:bodyPr/>
+                  <a:lstStyle/>
+                  <a:p>
+                    <a:r>
+                      <a:rPr lang="ko-KR" altLang="en-US">
+                        <a:noFill/>
+                      </a:rPr>
+                      <a:t> </a:t>
+                    </a:r>
+                  </a:p>
+                </p:txBody>
+              </p:sp>
+            </mc:Fallback>
+          </mc:AlternateContent>
+          <mc:AlternateContent xmlns:mc="http://schemas.openxmlformats.org/markup-compatibility/2006">
+            <mc:Choice xmlns:a14="http://schemas.microsoft.com/office/drawing/2010/main" Requires="a14">
+              <p:sp>
+                <p:nvSpPr>
+                  <p:cNvPr id="43" name="TextBox 42">
+                    <a:extLst>
+                      <a:ext uri="{FF2B5EF4-FFF2-40B4-BE49-F238E27FC236}">
+                        <a16:creationId xmlns:a16="http://schemas.microsoft.com/office/drawing/2014/main" id="{DA316074-8FD7-A632-04E3-3F8D076E370F}"/>
+                      </a:ext>
+                    </a:extLst>
+                  </p:cNvPr>
+                  <p:cNvSpPr txBox="1"/>
+                  <p:nvPr/>
+                </p:nvSpPr>
+                <p:spPr>
+                  <a:xfrm>
+                    <a:off x="2087260" y="5065950"/>
+                    <a:ext cx="131639" cy="184666"/>
+                  </a:xfrm>
+                  <a:prstGeom prst="rect">
+                    <a:avLst/>
+                  </a:prstGeom>
+                  <a:noFill/>
+                </p:spPr>
+                <p:txBody>
+                  <a:bodyPr wrap="none" lIns="0" tIns="0" rIns="0" bIns="0" rtlCol="0">
+                    <a:spAutoFit/>
+                  </a:bodyPr>
+                  <a:lstStyle/>
+                  <a:p>
+                    <a:pPr/>
+                    <a14:m>
+                      <m:oMathPara xmlns:m="http://schemas.openxmlformats.org/officeDocument/2006/math">
+                        <m:oMathParaPr>
+                          <m:jc m:val="centerGroup"/>
+                        </m:oMathParaPr>
+                        <m:oMath xmlns:m="http://schemas.openxmlformats.org/officeDocument/2006/math">
+                          <m:r>
+                            <a:rPr lang="en-US" altLang="ko-KR" sz="1200" b="0" i="1" smtClean="0">
+                              <a:solidFill>
+                                <a:srgbClr val="FF0000"/>
+                              </a:solidFill>
+                              <a:latin typeface="Cambria Math" panose="02040503050406030204" pitchFamily="18" charset="0"/>
+                            </a:rPr>
+                            <m:t>𝑟</m:t>
+                          </m:r>
+                        </m:oMath>
+                      </m:oMathPara>
+                    </a14:m>
+                    <a:endParaRPr lang="ko-KR" altLang="en-US" sz="1200">
+                      <a:solidFill>
+                        <a:srgbClr val="FF0000"/>
+                      </a:solidFill>
+                    </a:endParaRPr>
+                  </a:p>
+                </p:txBody>
+              </p:sp>
+            </mc:Choice>
+            <mc:Fallback>
+              <p:sp>
+                <p:nvSpPr>
+                  <p:cNvPr id="43" name="TextBox 42">
+                    <a:extLst>
+                      <a:ext uri="{FF2B5EF4-FFF2-40B4-BE49-F238E27FC236}">
+                        <a16:creationId xmlns:a16="http://schemas.microsoft.com/office/drawing/2014/main" id="{DA316074-8FD7-A632-04E3-3F8D076E370F}"/>
+                      </a:ext>
+                    </a:extLst>
+                  </p:cNvPr>
+                  <p:cNvSpPr txBox="1">
+                    <a:spLocks noRot="1" noChangeAspect="1" noMove="1" noResize="1" noEditPoints="1" noAdjustHandles="1" noChangeArrowheads="1" noChangeShapeType="1" noTextEdit="1"/>
+                  </p:cNvSpPr>
+                  <p:nvPr/>
+                </p:nvSpPr>
+                <p:spPr>
+                  <a:xfrm>
+                    <a:off x="2087260" y="5065950"/>
+                    <a:ext cx="131639" cy="184666"/>
+                  </a:xfrm>
+                  <a:prstGeom prst="rect">
+                    <a:avLst/>
+                  </a:prstGeom>
+                  <a:blipFill>
+                    <a:blip r:embed="rId11"/>
+                    <a:stretch>
+                      <a:fillRect l="-9091" r="-4545" b="-3333"/>
+                    </a:stretch>
+                  </a:blipFill>
+                </p:spPr>
+                <p:txBody>
+                  <a:bodyPr/>
+                  <a:lstStyle/>
+                  <a:p>
+                    <a:r>
+                      <a:rPr lang="ko-KR" altLang="en-US">
+                        <a:noFill/>
+                      </a:rPr>
+                      <a:t> </a:t>
+                    </a:r>
+                  </a:p>
+                </p:txBody>
+              </p:sp>
+            </mc:Fallback>
+          </mc:AlternateContent>
+          <mc:AlternateContent xmlns:mc="http://schemas.openxmlformats.org/markup-compatibility/2006">
+            <mc:Choice xmlns:a14="http://schemas.microsoft.com/office/drawing/2010/main" Requires="a14">
+              <p:sp>
+                <p:nvSpPr>
+                  <p:cNvPr id="44" name="TextBox 43">
+                    <a:extLst>
+                      <a:ext uri="{FF2B5EF4-FFF2-40B4-BE49-F238E27FC236}">
+                        <a16:creationId xmlns:a16="http://schemas.microsoft.com/office/drawing/2014/main" id="{D823B8E4-DD4E-3865-B41A-CD587F3C0047}"/>
+                      </a:ext>
+                    </a:extLst>
+                  </p:cNvPr>
+                  <p:cNvSpPr txBox="1"/>
+                  <p:nvPr/>
+                </p:nvSpPr>
+                <p:spPr>
+                  <a:xfrm>
+                    <a:off x="2611596" y="4844228"/>
+                    <a:ext cx="424090" cy="184666"/>
+                  </a:xfrm>
+                  <a:prstGeom prst="rect">
+                    <a:avLst/>
+                  </a:prstGeom>
+                  <a:noFill/>
+                </p:spPr>
+                <p:txBody>
+                  <a:bodyPr wrap="none" lIns="0" tIns="0" rIns="0" bIns="0" rtlCol="0">
+                    <a:spAutoFit/>
+                  </a:bodyPr>
+                  <a:lstStyle/>
+                  <a:p>
+                    <a:pPr/>
+                    <a14:m>
+                      <m:oMathPara xmlns:m="http://schemas.openxmlformats.org/officeDocument/2006/math">
+                        <m:oMathParaPr>
+                          <m:jc m:val="centerGroup"/>
+                        </m:oMathParaPr>
+                        <m:oMath xmlns:m="http://schemas.openxmlformats.org/officeDocument/2006/math">
+                          <m:r>
+                            <a:rPr lang="en-US" altLang="ko-KR" sz="1200" b="0" i="1" smtClean="0">
+                              <a:solidFill>
+                                <a:srgbClr val="FF0000"/>
+                              </a:solidFill>
+                              <a:latin typeface="Cambria Math" panose="02040503050406030204" pitchFamily="18" charset="0"/>
+                            </a:rPr>
+                            <m:t>𝑟</m:t>
+                          </m:r>
+                          <m:r>
+                            <a:rPr lang="en-US" altLang="ko-KR" sz="1200" b="0" i="1" smtClean="0">
+                              <a:solidFill>
+                                <a:schemeClr val="tx1"/>
+                              </a:solidFill>
+                              <a:latin typeface="Cambria Math" panose="02040503050406030204" pitchFamily="18" charset="0"/>
+                            </a:rPr>
+                            <m:t>⋅</m:t>
+                          </m:r>
+                          <m:r>
+                            <a:rPr lang="en-US" altLang="ko-KR" sz="1200" b="0" i="1" smtClean="0">
+                              <a:solidFill>
+                                <a:srgbClr val="0000FF"/>
+                              </a:solidFill>
+                              <a:latin typeface="Cambria Math" panose="02040503050406030204" pitchFamily="18" charset="0"/>
+                            </a:rPr>
+                            <m:t>𝑑</m:t>
+                          </m:r>
+                          <m:r>
+                            <a:rPr lang="en-US" altLang="ko-KR" sz="1200" b="0" i="1" smtClean="0">
+                              <a:solidFill>
+                                <a:srgbClr val="0000FF"/>
+                              </a:solidFill>
+                              <a:latin typeface="Cambria Math" panose="02040503050406030204" pitchFamily="18" charset="0"/>
+                            </a:rPr>
+                            <m:t>𝜃</m:t>
+                          </m:r>
+                        </m:oMath>
+                      </m:oMathPara>
+                    </a14:m>
+                    <a:endParaRPr lang="ko-KR" altLang="en-US" sz="1200">
+                      <a:solidFill>
+                        <a:schemeClr val="tx1"/>
+                      </a:solidFill>
+                    </a:endParaRPr>
+                  </a:p>
+                </p:txBody>
+              </p:sp>
+            </mc:Choice>
+            <mc:Fallback>
+              <p:sp>
+                <p:nvSpPr>
+                  <p:cNvPr id="44" name="TextBox 43">
+                    <a:extLst>
+                      <a:ext uri="{FF2B5EF4-FFF2-40B4-BE49-F238E27FC236}">
+                        <a16:creationId xmlns:a16="http://schemas.microsoft.com/office/drawing/2014/main" id="{D823B8E4-DD4E-3865-B41A-CD587F3C0047}"/>
+                      </a:ext>
+                    </a:extLst>
+                  </p:cNvPr>
+                  <p:cNvSpPr txBox="1">
+                    <a:spLocks noRot="1" noChangeAspect="1" noMove="1" noResize="1" noEditPoints="1" noAdjustHandles="1" noChangeArrowheads="1" noChangeShapeType="1" noTextEdit="1"/>
+                  </p:cNvSpPr>
+                  <p:nvPr/>
+                </p:nvSpPr>
+                <p:spPr>
+                  <a:xfrm>
+                    <a:off x="2611596" y="4844228"/>
+                    <a:ext cx="424090" cy="184666"/>
+                  </a:xfrm>
+                  <a:prstGeom prst="rect">
+                    <a:avLst/>
+                  </a:prstGeom>
+                  <a:blipFill>
+                    <a:blip r:embed="rId12"/>
+                    <a:stretch>
+                      <a:fillRect l="-1429" r="-4286" b="-10000"/>
+                    </a:stretch>
+                  </a:blipFill>
+                </p:spPr>
+                <p:txBody>
+                  <a:bodyPr/>
+                  <a:lstStyle/>
+                  <a:p>
+                    <a:r>
+                      <a:rPr lang="ko-KR" altLang="en-US">
+                        <a:noFill/>
+                      </a:rPr>
+                      <a:t> </a:t>
+                    </a:r>
+                  </a:p>
+                </p:txBody>
+              </p:sp>
+            </mc:Fallback>
+          </mc:AlternateContent>
+        </p:grpSp>
+      </p:grpSp>
+      <mc:AlternateContent xmlns:mc="http://schemas.openxmlformats.org/markup-compatibility/2006">
+        <mc:Choice xmlns:a14="http://schemas.microsoft.com/office/drawing/2010/main" Requires="a14">
+          <p:sp>
+            <p:nvSpPr>
+              <p:cNvPr id="45" name="TextBox 44">
+                <a:extLst>
+                  <a:ext uri="{FF2B5EF4-FFF2-40B4-BE49-F238E27FC236}">
+                    <a16:creationId xmlns:a16="http://schemas.microsoft.com/office/drawing/2014/main" id="{8D6DF271-07D1-2FE2-D396-91029FF4AF98}"/>
+                  </a:ext>
+                </a:extLst>
+              </p:cNvPr>
+              <p:cNvSpPr txBox="1"/>
+              <p:nvPr/>
+            </p:nvSpPr>
+            <p:spPr>
+              <a:xfrm>
+                <a:off x="6351013" y="5124677"/>
+                <a:ext cx="1076898" cy="600229"/>
+              </a:xfrm>
+              <a:prstGeom prst="rect">
+                <a:avLst/>
+              </a:prstGeom>
+              <a:noFill/>
+            </p:spPr>
+            <p:txBody>
+              <a:bodyPr wrap="none" lIns="0" tIns="0" rIns="0" bIns="0" rtlCol="0">
+                <a:spAutoFit/>
+              </a:bodyPr>
+              <a:lstStyle/>
+              <a:p>
+                <a14:m>
+                  <m:oMathPara xmlns:m="http://schemas.openxmlformats.org/officeDocument/2006/math">
+                    <m:oMathParaPr>
+                      <m:jc m:val="centerGroup"/>
+                    </m:oMathParaPr>
+                    <m:oMath xmlns:m="http://schemas.openxmlformats.org/officeDocument/2006/math">
+                      <m:r>
+                        <a:rPr lang="en-US" altLang="ko-KR" b="0" i="1" smtClean="0">
+                          <a:latin typeface="Cambria Math" panose="02040503050406030204" pitchFamily="18" charset="0"/>
+                        </a:rPr>
+                        <m:t>𝑟</m:t>
+                      </m:r>
+                      <m:r>
+                        <a:rPr lang="en-US" altLang="ko-KR" b="0" i="1" smtClean="0">
+                          <a:latin typeface="Cambria Math" panose="02040503050406030204" pitchFamily="18" charset="0"/>
+                        </a:rPr>
+                        <m:t>= </m:t>
+                      </m:r>
+                      <m:nary>
+                        <m:naryPr>
+                          <m:ctrlPr>
+                            <a:rPr lang="en-US" altLang="ko-KR" b="0" i="1" smtClean="0">
+                              <a:latin typeface="Cambria Math" panose="02040503050406030204" pitchFamily="18" charset="0"/>
+                            </a:rPr>
+                          </m:ctrlPr>
+                        </m:naryPr>
+                        <m:sub>
+                          <m:r>
+                            <m:rPr>
+                              <m:brk m:alnAt="23"/>
+                            </m:rPr>
+                            <a:rPr lang="en-US" altLang="ko-KR" b="0" i="1" smtClean="0">
+                              <a:latin typeface="Cambria Math" panose="02040503050406030204" pitchFamily="18" charset="0"/>
+                            </a:rPr>
+                            <m:t>0</m:t>
+                          </m:r>
+                        </m:sub>
+                        <m:sup>
+                          <m:r>
+                            <a:rPr lang="en-US" altLang="ko-KR" b="0" i="1" smtClean="0">
+                              <a:latin typeface="Cambria Math" panose="02040503050406030204" pitchFamily="18" charset="0"/>
+                            </a:rPr>
+                            <m:t>𝑟</m:t>
+                          </m:r>
+                        </m:sup>
+                        <m:e>
+                          <m:r>
+                            <a:rPr lang="en-US" altLang="ko-KR" b="0" i="1" smtClean="0">
+                              <a:latin typeface="Cambria Math" panose="02040503050406030204" pitchFamily="18" charset="0"/>
+                            </a:rPr>
+                            <m:t>𝑑𝑟</m:t>
+                          </m:r>
+                        </m:e>
+                      </m:nary>
+                    </m:oMath>
+                  </m:oMathPara>
+                </a14:m>
+                <a:endParaRPr lang="ko-KR" altLang="en-US"/>
+              </a:p>
+            </p:txBody>
+          </p:sp>
+        </mc:Choice>
+        <mc:Fallback>
+          <p:sp>
+            <p:nvSpPr>
+              <p:cNvPr id="45" name="TextBox 44">
+                <a:extLst>
+                  <a:ext uri="{FF2B5EF4-FFF2-40B4-BE49-F238E27FC236}">
+                    <a16:creationId xmlns:a16="http://schemas.microsoft.com/office/drawing/2014/main" id="{8D6DF271-07D1-2FE2-D396-91029FF4AF98}"/>
+                  </a:ext>
+                </a:extLst>
+              </p:cNvPr>
+              <p:cNvSpPr txBox="1">
+                <a:spLocks noRot="1" noChangeAspect="1" noMove="1" noResize="1" noEditPoints="1" noAdjustHandles="1" noChangeArrowheads="1" noChangeShapeType="1" noTextEdit="1"/>
+              </p:cNvSpPr>
+              <p:nvPr/>
+            </p:nvSpPr>
+            <p:spPr>
+              <a:xfrm>
+                <a:off x="6351013" y="5124677"/>
+                <a:ext cx="1076898" cy="600229"/>
+              </a:xfrm>
+              <a:prstGeom prst="rect">
+                <a:avLst/>
+              </a:prstGeom>
+              <a:blipFill>
+                <a:blip r:embed="rId13"/>
+                <a:stretch>
+                  <a:fillRect/>
+                </a:stretch>
+              </a:blipFill>
+            </p:spPr>
+            <p:txBody>
+              <a:bodyPr/>
+              <a:lstStyle/>
+              <a:p>
+                <a:r>
+                  <a:rPr lang="ko-KR" altLang="en-US">
+                    <a:noFill/>
+                  </a:rPr>
+                  <a:t> </a:t>
+                </a:r>
+              </a:p>
+            </p:txBody>
+          </p:sp>
+        </mc:Fallback>
+      </mc:AlternateContent>
+      <mc:AlternateContent xmlns:mc="http://schemas.openxmlformats.org/markup-compatibility/2006">
+        <mc:Choice xmlns:a14="http://schemas.microsoft.com/office/drawing/2010/main" Requires="a14">
+          <p:sp>
+            <p:nvSpPr>
+              <p:cNvPr id="46" name="TextBox 45">
+                <a:extLst>
+                  <a:ext uri="{FF2B5EF4-FFF2-40B4-BE49-F238E27FC236}">
+                    <a16:creationId xmlns:a16="http://schemas.microsoft.com/office/drawing/2014/main" id="{BCE7FAD7-35B3-D426-96AF-40DDEE8BBC4E}"/>
+                  </a:ext>
+                </a:extLst>
+              </p:cNvPr>
+              <p:cNvSpPr txBox="1"/>
+              <p:nvPr/>
+            </p:nvSpPr>
+            <p:spPr>
+              <a:xfrm>
+                <a:off x="5711331" y="4144223"/>
+                <a:ext cx="1839413" cy="276999"/>
+              </a:xfrm>
+              <a:prstGeom prst="rect">
+                <a:avLst/>
+              </a:prstGeom>
+              <a:noFill/>
+            </p:spPr>
+            <p:txBody>
+              <a:bodyPr wrap="none" lIns="0" tIns="0" rIns="0" bIns="0" rtlCol="0">
+                <a:spAutoFit/>
+              </a:bodyPr>
+              <a:lstStyle/>
+              <a:p>
+                <a:pPr/>
+                <a14:m>
+                  <m:oMathPara xmlns:m="http://schemas.openxmlformats.org/officeDocument/2006/math">
+                    <m:oMathParaPr>
+                      <m:jc m:val="centerGroup"/>
+                    </m:oMathParaPr>
+                    <m:oMath xmlns:m="http://schemas.openxmlformats.org/officeDocument/2006/math">
+                      <m:r>
+                        <a:rPr lang="en-US" altLang="ko-KR" b="0" i="1" smtClean="0">
+                          <a:solidFill>
+                            <a:schemeClr val="tx1"/>
+                          </a:solidFill>
+                          <a:latin typeface="Cambria Math" panose="02040503050406030204" pitchFamily="18" charset="0"/>
+                        </a:rPr>
+                        <m:t>𝑑𝑠</m:t>
+                      </m:r>
+                      <m:r>
+                        <a:rPr lang="en-US" altLang="ko-KR" b="0" i="1" smtClean="0">
+                          <a:solidFill>
+                            <a:schemeClr val="tx1"/>
+                          </a:solidFill>
+                          <a:latin typeface="Cambria Math" panose="02040503050406030204" pitchFamily="18" charset="0"/>
+                        </a:rPr>
+                        <m:t>= </m:t>
+                      </m:r>
+                      <m:r>
+                        <a:rPr lang="en-US" altLang="ko-KR" b="0" i="1" smtClean="0">
+                          <a:solidFill>
+                            <a:schemeClr val="tx1"/>
+                          </a:solidFill>
+                          <a:latin typeface="Cambria Math" panose="02040503050406030204" pitchFamily="18" charset="0"/>
+                        </a:rPr>
+                        <m:t>𝑑𝑟</m:t>
+                      </m:r>
+                      <m:r>
+                        <a:rPr lang="en-US" altLang="ko-KR" b="0" i="1" smtClean="0">
+                          <a:solidFill>
+                            <a:schemeClr val="tx1"/>
+                          </a:solidFill>
+                          <a:latin typeface="Cambria Math" panose="02040503050406030204" pitchFamily="18" charset="0"/>
+                        </a:rPr>
+                        <m:t>⋅(</m:t>
+                      </m:r>
+                      <m:r>
+                        <a:rPr lang="en-US" altLang="ko-KR" b="0" i="1" smtClean="0">
+                          <a:solidFill>
+                            <a:schemeClr val="tx1"/>
+                          </a:solidFill>
+                          <a:latin typeface="Cambria Math" panose="02040503050406030204" pitchFamily="18" charset="0"/>
+                        </a:rPr>
+                        <m:t>𝑟</m:t>
+                      </m:r>
+                      <m:r>
+                        <a:rPr lang="en-US" altLang="ko-KR" b="0" i="1" smtClean="0">
+                          <a:solidFill>
+                            <a:schemeClr val="tx1"/>
+                          </a:solidFill>
+                          <a:latin typeface="Cambria Math" panose="02040503050406030204" pitchFamily="18" charset="0"/>
+                        </a:rPr>
+                        <m:t>⋅</m:t>
+                      </m:r>
+                      <m:r>
+                        <a:rPr lang="en-US" altLang="ko-KR" b="0" i="1" smtClean="0">
+                          <a:solidFill>
+                            <a:schemeClr val="tx1"/>
+                          </a:solidFill>
+                          <a:latin typeface="Cambria Math" panose="02040503050406030204" pitchFamily="18" charset="0"/>
+                        </a:rPr>
+                        <m:t>𝑑</m:t>
+                      </m:r>
+                      <m:r>
+                        <a:rPr lang="en-US" altLang="ko-KR" b="0" i="1" smtClean="0">
+                          <a:solidFill>
+                            <a:schemeClr val="tx1"/>
+                          </a:solidFill>
+                          <a:latin typeface="Cambria Math" panose="02040503050406030204" pitchFamily="18" charset="0"/>
+                        </a:rPr>
+                        <m:t>𝜃</m:t>
+                      </m:r>
+                      <m:r>
+                        <a:rPr lang="en-US" altLang="ko-KR" b="0" i="1" smtClean="0">
+                          <a:solidFill>
+                            <a:schemeClr val="tx1"/>
+                          </a:solidFill>
+                          <a:latin typeface="Cambria Math" panose="02040503050406030204" pitchFamily="18" charset="0"/>
+                        </a:rPr>
+                        <m:t>)</m:t>
+                      </m:r>
+                    </m:oMath>
+                  </m:oMathPara>
+                </a14:m>
+                <a:endParaRPr lang="ko-KR" altLang="en-US">
+                  <a:solidFill>
+                    <a:schemeClr val="tx1"/>
+                  </a:solidFill>
+                </a:endParaRPr>
+              </a:p>
+            </p:txBody>
+          </p:sp>
+        </mc:Choice>
+        <mc:Fallback>
+          <p:sp>
+            <p:nvSpPr>
+              <p:cNvPr id="46" name="TextBox 45">
+                <a:extLst>
+                  <a:ext uri="{FF2B5EF4-FFF2-40B4-BE49-F238E27FC236}">
+                    <a16:creationId xmlns:a16="http://schemas.microsoft.com/office/drawing/2014/main" id="{BCE7FAD7-35B3-D426-96AF-40DDEE8BBC4E}"/>
+                  </a:ext>
+                </a:extLst>
+              </p:cNvPr>
+              <p:cNvSpPr txBox="1">
+                <a:spLocks noRot="1" noChangeAspect="1" noMove="1" noResize="1" noEditPoints="1" noAdjustHandles="1" noChangeArrowheads="1" noChangeShapeType="1" noTextEdit="1"/>
+              </p:cNvSpPr>
+              <p:nvPr/>
+            </p:nvSpPr>
+            <p:spPr>
+              <a:xfrm>
+                <a:off x="5711331" y="4144223"/>
+                <a:ext cx="1839413" cy="276999"/>
+              </a:xfrm>
+              <a:prstGeom prst="rect">
+                <a:avLst/>
+              </a:prstGeom>
+              <a:blipFill>
+                <a:blip r:embed="rId14"/>
+                <a:stretch>
+                  <a:fillRect l="-1987" r="-3311" b="-40000"/>
+                </a:stretch>
+              </a:blipFill>
+            </p:spPr>
+            <p:txBody>
+              <a:bodyPr/>
+              <a:lstStyle/>
+              <a:p>
+                <a:r>
+                  <a:rPr lang="ko-KR" altLang="en-US">
+                    <a:noFill/>
+                  </a:rPr>
+                  <a:t> </a:t>
+                </a:r>
+              </a:p>
+            </p:txBody>
+          </p:sp>
+        </mc:Fallback>
+      </mc:AlternateContent>
+      <p:grpSp>
+        <p:nvGrpSpPr>
+          <p:cNvPr id="73" name="그룹 72">
+            <a:extLst>
+              <a:ext uri="{FF2B5EF4-FFF2-40B4-BE49-F238E27FC236}">
+                <a16:creationId xmlns:a16="http://schemas.microsoft.com/office/drawing/2014/main" id="{2E7154E4-D5DF-AC30-4240-24A16036D94F}"/>
+              </a:ext>
+            </a:extLst>
+          </p:cNvPr>
+          <p:cNvGrpSpPr/>
+          <p:nvPr/>
+        </p:nvGrpSpPr>
+        <p:grpSpPr>
+          <a:xfrm>
+            <a:off x="8416145" y="931886"/>
+            <a:ext cx="3570080" cy="2565558"/>
+            <a:chOff x="8416145" y="931886"/>
+            <a:chExt cx="3570080" cy="2565558"/>
+          </a:xfrm>
+        </p:grpSpPr>
+        <p:sp>
+          <p:nvSpPr>
+            <p:cNvPr id="61" name="부분 원형 60">
+              <a:extLst>
+                <a:ext uri="{FF2B5EF4-FFF2-40B4-BE49-F238E27FC236}">
+                  <a16:creationId xmlns:a16="http://schemas.microsoft.com/office/drawing/2014/main" id="{C5EAABFE-1E7C-5955-D3BF-3286BB226C24}"/>
+                </a:ext>
+              </a:extLst>
+            </p:cNvPr>
+            <p:cNvSpPr/>
+            <p:nvPr/>
+          </p:nvSpPr>
+          <p:spPr>
+            <a:xfrm rot="16200000">
+              <a:off x="8416145" y="1686702"/>
+              <a:ext cx="1810742" cy="1810742"/>
+            </a:xfrm>
+            <a:prstGeom prst="pie">
+              <a:avLst>
+                <a:gd name="adj1" fmla="val 0"/>
+                <a:gd name="adj2" fmla="val 5399668"/>
+              </a:avLst>
+            </a:prstGeom>
+          </p:spPr>
+          <p:style>
+            <a:lnRef idx="1">
+              <a:schemeClr val="accent1"/>
+            </a:lnRef>
+            <a:fillRef idx="2">
+              <a:schemeClr val="accent1"/>
+            </a:fillRef>
+            <a:effectRef idx="1">
+              <a:schemeClr val="accent1"/>
+            </a:effectRef>
+            <a:fontRef idx="minor">
+              <a:schemeClr val="dk1"/>
+            </a:fontRef>
+          </p:style>
+          <p:txBody>
+            <a:bodyPr rtlCol="0" anchor="ctr"/>
+            <a:lstStyle/>
+            <a:p>
+              <a:pPr algn="ctr"/>
+              <a:endParaRPr lang="ko-KR" altLang="en-US">
+                <a:solidFill>
+                  <a:schemeClr val="tx1"/>
+                </a:solidFill>
+              </a:endParaRPr>
+            </a:p>
+          </p:txBody>
+        </p:sp>
+        <p:grpSp>
+          <p:nvGrpSpPr>
+            <p:cNvPr id="63" name="그룹 62">
+              <a:extLst>
+                <a:ext uri="{FF2B5EF4-FFF2-40B4-BE49-F238E27FC236}">
+                  <a16:creationId xmlns:a16="http://schemas.microsoft.com/office/drawing/2014/main" id="{0EED68A2-57B4-0CB1-9015-A52369F29AFF}"/>
+                </a:ext>
+              </a:extLst>
+            </p:cNvPr>
+            <p:cNvGrpSpPr/>
+            <p:nvPr/>
+          </p:nvGrpSpPr>
+          <p:grpSpPr>
+            <a:xfrm>
+              <a:off x="9054957" y="931886"/>
+              <a:ext cx="2931268" cy="2007140"/>
+              <a:chOff x="5690681" y="914400"/>
+              <a:chExt cx="2931268" cy="2007140"/>
+            </a:xfrm>
+          </p:grpSpPr>
+          <p:cxnSp>
+            <p:nvCxnSpPr>
+              <p:cNvPr id="71" name="직선 화살표 연결선 70">
+                <a:extLst>
+                  <a:ext uri="{FF2B5EF4-FFF2-40B4-BE49-F238E27FC236}">
+                    <a16:creationId xmlns:a16="http://schemas.microsoft.com/office/drawing/2014/main" id="{204627DE-60E7-97DD-7C55-D3C2E18D9E69}"/>
+                  </a:ext>
+                </a:extLst>
+              </p:cNvPr>
+              <p:cNvCxnSpPr/>
+              <p:nvPr/>
+            </p:nvCxnSpPr>
+            <p:spPr>
+              <a:xfrm>
+                <a:off x="5690681" y="2574587"/>
+                <a:ext cx="2931268" cy="0"/>
+              </a:xfrm>
+              <a:prstGeom prst="straightConnector1">
+                <a:avLst/>
+              </a:prstGeom>
+              <a:ln>
+                <a:tailEnd type="triangle"/>
+              </a:ln>
+            </p:spPr>
+            <p:style>
+              <a:lnRef idx="2">
+                <a:schemeClr val="dk1"/>
+              </a:lnRef>
+              <a:fillRef idx="0">
+                <a:schemeClr val="dk1"/>
+              </a:fillRef>
+              <a:effectRef idx="1">
+                <a:schemeClr val="dk1"/>
+              </a:effectRef>
+              <a:fontRef idx="minor">
+                <a:schemeClr val="tx1"/>
+              </a:fontRef>
+            </p:style>
+          </p:cxnSp>
+          <p:cxnSp>
+            <p:nvCxnSpPr>
+              <p:cNvPr id="72" name="직선 화살표 연결선 71">
+                <a:extLst>
+                  <a:ext uri="{FF2B5EF4-FFF2-40B4-BE49-F238E27FC236}">
+                    <a16:creationId xmlns:a16="http://schemas.microsoft.com/office/drawing/2014/main" id="{F65BDFE8-3E11-00ED-3712-D401CD4C7EFB}"/>
+                  </a:ext>
+                </a:extLst>
+              </p:cNvPr>
+              <p:cNvCxnSpPr>
+                <a:cxnSpLocks/>
+              </p:cNvCxnSpPr>
+              <p:nvPr/>
+            </p:nvCxnSpPr>
+            <p:spPr>
+              <a:xfrm flipV="1">
+                <a:off x="5959813" y="914400"/>
+                <a:ext cx="0" cy="2007140"/>
+              </a:xfrm>
+              <a:prstGeom prst="straightConnector1">
+                <a:avLst/>
+              </a:prstGeom>
+              <a:ln>
+                <a:tailEnd type="triangle"/>
+              </a:ln>
+            </p:spPr>
+            <p:style>
+              <a:lnRef idx="2">
+                <a:schemeClr val="dk1"/>
+              </a:lnRef>
+              <a:fillRef idx="0">
+                <a:schemeClr val="dk1"/>
+              </a:fillRef>
+              <a:effectRef idx="1">
+                <a:schemeClr val="dk1"/>
+              </a:effectRef>
+              <a:fontRef idx="minor">
+                <a:schemeClr val="tx1"/>
+              </a:fontRef>
+            </p:style>
+          </p:cxnSp>
+        </p:grpSp>
       </p:grpSp>
     </p:spTree>
     <p:extLst>
